--- a/Proyecto_Parcial/Requerimientos Presentación Parcial.pptx
+++ b/Proyecto_Parcial/Requerimientos Presentación Parcial.pptx
@@ -6,14 +6,15 @@
     <p:sldMasterId id="2147483659" r:id="rId2"/>
   </p:sldMasterIdLst>
   <p:notesMasterIdLst>
-    <p:notesMasterId r:id="rId8"/>
+    <p:notesMasterId r:id="rId9"/>
   </p:notesMasterIdLst>
   <p:sldIdLst>
     <p:sldId id="256" r:id="rId3"/>
     <p:sldId id="503" r:id="rId4"/>
     <p:sldId id="504" r:id="rId5"/>
-    <p:sldId id="505" r:id="rId6"/>
-    <p:sldId id="286" r:id="rId7"/>
+    <p:sldId id="506" r:id="rId6"/>
+    <p:sldId id="505" r:id="rId7"/>
+    <p:sldId id="286" r:id="rId8"/>
   </p:sldIdLst>
   <p:sldSz cx="12192000" cy="6858000"/>
   <p:notesSz cx="6858000" cy="9144000"/>
@@ -251,7 +252,7 @@
       <p15:sldGuideLst xmlns:p15="http://schemas.microsoft.com/office/powerpoint/2012/main"/>
     </p:ext>
     <p:ext uri="http://customooxmlschemas.google.com/">
-      <go:slidesCustomData xmlns:go="http://customooxmlschemas.google.com/" xmlns:ahyp="http://schemas.microsoft.com/office/drawing/2018/hyperlinkcolor" xmlns:p15="http://schemas.microsoft.com/office/powerpoint/2012/main" xmlns:p14="http://schemas.microsoft.com/office/powerpoint/2010/main" xmlns:com="http://schemas.openxmlformats.org/drawingml/2006/compatibility" xmlns:pvml="urn:schemas-microsoft-com:office:powerpoint" xmlns:v="urn:schemas-microsoft-com:vml" xmlns:o="urn:schemas-microsoft-com:office:office" xmlns:dgm="http://schemas.openxmlformats.org/drawingml/2006/diagram" xmlns:c="http://schemas.openxmlformats.org/drawingml/2006/chart" xmlns:mv="urn:schemas-microsoft-com:mac:vml" xmlns:mc="http://schemas.openxmlformats.org/markup-compatibility/2006" xmlns="" r:id="rId45" roundtripDataSignature="AMtx7miZqSSVL63MZt17W8s0fq1elp/QvQ=="/>
+      <go:slidesCustomData xmlns="" xmlns:mc="http://schemas.openxmlformats.org/markup-compatibility/2006" xmlns:mv="urn:schemas-microsoft-com:mac:vml" xmlns:c="http://schemas.openxmlformats.org/drawingml/2006/chart" xmlns:dgm="http://schemas.openxmlformats.org/drawingml/2006/diagram" xmlns:o="urn:schemas-microsoft-com:office:office" xmlns:v="urn:schemas-microsoft-com:vml" xmlns:pvml="urn:schemas-microsoft-com:office:powerpoint" xmlns:com="http://schemas.openxmlformats.org/drawingml/2006/compatibility" xmlns:p14="http://schemas.microsoft.com/office/powerpoint/2010/main" xmlns:p15="http://schemas.microsoft.com/office/powerpoint/2012/main" xmlns:ahyp="http://schemas.microsoft.com/office/drawing/2018/hyperlinkcolor" xmlns:go="http://customooxmlschemas.google.com/" r:id="rId45" roundtripDataSignature="AMtx7miZqSSVL63MZt17W8s0fq1elp/QvQ=="/>
     </p:ext>
   </p:extLst>
 </p:presentation>
@@ -16014,120 +16015,6 @@
             </a:r>
           </a:p>
           <a:p>
-            <a:pPr marL="635000" indent="-457200" algn="just">
-              <a:spcBef>
-                <a:spcPts val="0"/>
-              </a:spcBef>
-              <a:buSzPts val="2800"/>
-            </a:pPr>
-            <a:r>
-              <a:rPr lang="es-ES" dirty="0"/>
-              <a:t>Subir proyecto import_kaggle.py e </a:t>
-            </a:r>
-            <a:r>
-              <a:rPr lang="es-ES" dirty="0" err="1"/>
-              <a:t>import_bd.sql</a:t>
-            </a:r>
-            <a:r>
-              <a:rPr lang="es-ES" dirty="0"/>
-              <a:t> (trabajado en clase).</a:t>
-            </a:r>
-          </a:p>
-          <a:p>
-            <a:pPr marL="635000" indent="-457200" algn="just">
-              <a:spcBef>
-                <a:spcPts val="0"/>
-              </a:spcBef>
-              <a:buSzPts val="2800"/>
-            </a:pPr>
-            <a:r>
-              <a:rPr lang="es-ES" dirty="0"/>
-              <a:t>Conectar Jenkins con </a:t>
-            </a:r>
-            <a:r>
-              <a:rPr lang="es-ES" dirty="0" err="1"/>
-              <a:t>Github</a:t>
-            </a:r>
-            <a:r>
-              <a:rPr lang="es-ES" dirty="0"/>
-              <a:t>.</a:t>
-            </a:r>
-          </a:p>
-          <a:p>
-            <a:pPr marL="635000" indent="-457200" algn="just">
-              <a:spcBef>
-                <a:spcPts val="0"/>
-              </a:spcBef>
-              <a:buSzPts val="2800"/>
-            </a:pPr>
-            <a:endParaRPr lang="es-ES" dirty="0"/>
-          </a:p>
-          <a:p>
-            <a:pPr marL="177800" indent="0" algn="just">
-              <a:spcBef>
-                <a:spcPts val="0"/>
-              </a:spcBef>
-              <a:buSzPts val="2800"/>
-              <a:buNone/>
-            </a:pPr>
-            <a:r>
-              <a:rPr lang="es-ES" dirty="0"/>
-              <a:t>Pipeline Trabajado en Clase:</a:t>
-            </a:r>
-          </a:p>
-          <a:p>
-            <a:pPr marL="635000" indent="-457200" algn="just">
-              <a:spcBef>
-                <a:spcPts val="0"/>
-              </a:spcBef>
-              <a:buSzPts val="2800"/>
-            </a:pPr>
-            <a:r>
-              <a:rPr lang="es-ES" dirty="0"/>
-              <a:t>El archivo </a:t>
-            </a:r>
-            <a:r>
-              <a:rPr lang="es-ES" i="1" dirty="0"/>
-              <a:t>import_kaggle.py e </a:t>
-            </a:r>
-            <a:r>
-              <a:rPr lang="es-ES" i="1" dirty="0" err="1"/>
-              <a:t>import_bd.sql</a:t>
-            </a:r>
-            <a:r>
-              <a:rPr lang="es-ES" dirty="0"/>
-              <a:t> ya no se va a obtener desde nuestra máquina local, sino que ahora lo vamos a descargar desde </a:t>
-            </a:r>
-            <a:r>
-              <a:rPr lang="es-ES" dirty="0" err="1"/>
-              <a:t>Github</a:t>
-            </a:r>
-            <a:r>
-              <a:rPr lang="es-ES" dirty="0"/>
-              <a:t>.</a:t>
-            </a:r>
-          </a:p>
-          <a:p>
-            <a:pPr marL="635000" indent="-457200" algn="just">
-              <a:spcBef>
-                <a:spcPts val="0"/>
-              </a:spcBef>
-              <a:buSzPts val="2800"/>
-            </a:pPr>
-            <a:r>
-              <a:rPr lang="es-ES" dirty="0"/>
-              <a:t>Ejecuta import_kaggle.py e </a:t>
-            </a:r>
-            <a:r>
-              <a:rPr lang="es-ES" dirty="0" err="1"/>
-              <a:t>import_bd.sql</a:t>
-            </a:r>
-            <a:r>
-              <a:rPr lang="es-ES" dirty="0"/>
-              <a:t>.</a:t>
-            </a:r>
-          </a:p>
-          <a:p>
             <a:pPr marL="1435100" lvl="2" algn="just">
               <a:spcBef>
                 <a:spcPts val="0"/>
@@ -16140,6 +16027,36 @@
           </a:p>
         </p:txBody>
       </p:sp>
+      <p:pic>
+        <p:nvPicPr>
+          <p:cNvPr id="6" name="Imagen 5">
+            <a:extLst>
+              <a:ext uri="{FF2B5EF4-FFF2-40B4-BE49-F238E27FC236}">
+                <a16:creationId xmlns:a16="http://schemas.microsoft.com/office/drawing/2014/main" id="{34291F74-69C4-4F7A-7A55-67E3C0959425}"/>
+              </a:ext>
+            </a:extLst>
+          </p:cNvPr>
+          <p:cNvPicPr>
+            <a:picLocks noChangeAspect="1"/>
+          </p:cNvPicPr>
+          <p:nvPr/>
+        </p:nvPicPr>
+        <p:blipFill>
+          <a:blip r:embed="rId2"/>
+          <a:stretch>
+            <a:fillRect/>
+          </a:stretch>
+        </p:blipFill>
+        <p:spPr>
+          <a:xfrm>
+            <a:off x="1653540" y="2407121"/>
+            <a:ext cx="8884920" cy="3151858"/>
+          </a:xfrm>
+          <a:prstGeom prst="rect">
+            <a:avLst/>
+          </a:prstGeom>
+        </p:spPr>
+      </p:pic>
     </p:spTree>
     <p:extLst>
       <p:ext uri="{BB962C8B-B14F-4D97-AF65-F5344CB8AC3E}">
@@ -16230,6 +16147,535 @@
               <a:buNone/>
             </a:pPr>
             <a:r>
+              <a:rPr lang="es-PE" b="1" dirty="0"/>
+              <a:t>Conexión Jenkins con </a:t>
+            </a:r>
+            <a:r>
+              <a:rPr lang="es-PE" b="1" dirty="0" err="1"/>
+              <a:t>Github</a:t>
+            </a:r>
+            <a:r>
+              <a:rPr lang="es-PE" b="1" dirty="0"/>
+              <a:t>:</a:t>
+            </a:r>
+          </a:p>
+        </p:txBody>
+      </p:sp>
+      <p:sp>
+        <p:nvSpPr>
+          <p:cNvPr id="4" name="Google Shape;200;p3">
+            <a:extLst>
+              <a:ext uri="{FF2B5EF4-FFF2-40B4-BE49-F238E27FC236}">
+                <a16:creationId xmlns:a16="http://schemas.microsoft.com/office/drawing/2014/main" id="{A7B9852B-ED04-7067-EC62-3C6E0195A04C}"/>
+              </a:ext>
+            </a:extLst>
+          </p:cNvPr>
+          <p:cNvSpPr txBox="1">
+            <a:spLocks/>
+          </p:cNvSpPr>
+          <p:nvPr/>
+        </p:nvSpPr>
+        <p:spPr>
+          <a:xfrm>
+            <a:off x="740621" y="1718446"/>
+            <a:ext cx="10987480" cy="4001870"/>
+          </a:xfrm>
+          <a:prstGeom prst="rect">
+            <a:avLst/>
+          </a:prstGeom>
+          <a:noFill/>
+          <a:ln>
+            <a:noFill/>
+          </a:ln>
+        </p:spPr>
+        <p:txBody>
+          <a:bodyPr spcFirstLastPara="1" wrap="square" lIns="91425" tIns="45700" rIns="91425" bIns="45700" anchor="t" anchorCtr="0">
+            <a:normAutofit/>
+          </a:bodyPr>
+          <a:lstStyle>
+            <a:defPPr marR="0" lvl="0" algn="l" rtl="0">
+              <a:lnSpc>
+                <a:spcPct val="100000"/>
+              </a:lnSpc>
+              <a:spcBef>
+                <a:spcPts val="0"/>
+              </a:spcBef>
+              <a:spcAft>
+                <a:spcPts val="0"/>
+              </a:spcAft>
+            </a:defPPr>
+            <a:lvl1pPr marL="457200" marR="0" lvl="0" indent="-342900" algn="l" rtl="0">
+              <a:lnSpc>
+                <a:spcPct val="90000"/>
+              </a:lnSpc>
+              <a:spcBef>
+                <a:spcPts val="1000"/>
+              </a:spcBef>
+              <a:spcAft>
+                <a:spcPts val="0"/>
+              </a:spcAft>
+              <a:buClr>
+                <a:srgbClr val="002060"/>
+              </a:buClr>
+              <a:buSzPts val="1800"/>
+              <a:buFont typeface="Arial"/>
+              <a:buChar char="•"/>
+              <a:defRPr sz="2800" b="0" i="0" u="none" strike="noStrike" cap="none">
+                <a:solidFill>
+                  <a:srgbClr val="002060"/>
+                </a:solidFill>
+                <a:latin typeface="Calibri"/>
+                <a:ea typeface="Calibri"/>
+                <a:cs typeface="Calibri"/>
+                <a:sym typeface="Calibri"/>
+              </a:defRPr>
+            </a:lvl1pPr>
+            <a:lvl2pPr marL="914400" marR="0" lvl="1" indent="-342900" algn="l" rtl="0">
+              <a:lnSpc>
+                <a:spcPct val="90000"/>
+              </a:lnSpc>
+              <a:spcBef>
+                <a:spcPts val="500"/>
+              </a:spcBef>
+              <a:spcAft>
+                <a:spcPts val="0"/>
+              </a:spcAft>
+              <a:buClr>
+                <a:srgbClr val="002060"/>
+              </a:buClr>
+              <a:buSzPts val="1800"/>
+              <a:buFont typeface="Arial"/>
+              <a:buChar char="•"/>
+              <a:defRPr sz="2400" b="0" i="0" u="none" strike="noStrike" cap="none">
+                <a:solidFill>
+                  <a:srgbClr val="002060"/>
+                </a:solidFill>
+                <a:latin typeface="Calibri"/>
+                <a:ea typeface="Calibri"/>
+                <a:cs typeface="Calibri"/>
+                <a:sym typeface="Calibri"/>
+              </a:defRPr>
+            </a:lvl2pPr>
+            <a:lvl3pPr marL="1371600" marR="0" lvl="2" indent="-342900" algn="l" rtl="0">
+              <a:lnSpc>
+                <a:spcPct val="90000"/>
+              </a:lnSpc>
+              <a:spcBef>
+                <a:spcPts val="500"/>
+              </a:spcBef>
+              <a:spcAft>
+                <a:spcPts val="0"/>
+              </a:spcAft>
+              <a:buClr>
+                <a:srgbClr val="002060"/>
+              </a:buClr>
+              <a:buSzPts val="1800"/>
+              <a:buFont typeface="Arial"/>
+              <a:buChar char="•"/>
+              <a:defRPr sz="2000" b="0" i="0" u="none" strike="noStrike" cap="none">
+                <a:solidFill>
+                  <a:srgbClr val="002060"/>
+                </a:solidFill>
+                <a:latin typeface="Calibri"/>
+                <a:ea typeface="Calibri"/>
+                <a:cs typeface="Calibri"/>
+                <a:sym typeface="Calibri"/>
+              </a:defRPr>
+            </a:lvl3pPr>
+            <a:lvl4pPr marL="1828800" marR="0" lvl="3" indent="-342900" algn="l" rtl="0">
+              <a:lnSpc>
+                <a:spcPct val="90000"/>
+              </a:lnSpc>
+              <a:spcBef>
+                <a:spcPts val="500"/>
+              </a:spcBef>
+              <a:spcAft>
+                <a:spcPts val="0"/>
+              </a:spcAft>
+              <a:buClr>
+                <a:srgbClr val="002060"/>
+              </a:buClr>
+              <a:buSzPts val="1800"/>
+              <a:buFont typeface="Arial"/>
+              <a:buChar char="•"/>
+              <a:defRPr sz="1800" b="0" i="0" u="none" strike="noStrike" cap="none">
+                <a:solidFill>
+                  <a:srgbClr val="002060"/>
+                </a:solidFill>
+                <a:latin typeface="Calibri"/>
+                <a:ea typeface="Calibri"/>
+                <a:cs typeface="Calibri"/>
+                <a:sym typeface="Calibri"/>
+              </a:defRPr>
+            </a:lvl4pPr>
+            <a:lvl5pPr marL="2286000" marR="0" lvl="4" indent="-342900" algn="l" rtl="0">
+              <a:lnSpc>
+                <a:spcPct val="90000"/>
+              </a:lnSpc>
+              <a:spcBef>
+                <a:spcPts val="500"/>
+              </a:spcBef>
+              <a:spcAft>
+                <a:spcPts val="0"/>
+              </a:spcAft>
+              <a:buClr>
+                <a:srgbClr val="002060"/>
+              </a:buClr>
+              <a:buSzPts val="1800"/>
+              <a:buFont typeface="Arial"/>
+              <a:buChar char="•"/>
+              <a:defRPr sz="1800" b="0" i="0" u="none" strike="noStrike" cap="none">
+                <a:solidFill>
+                  <a:srgbClr val="002060"/>
+                </a:solidFill>
+                <a:latin typeface="Calibri"/>
+                <a:ea typeface="Calibri"/>
+                <a:cs typeface="Calibri"/>
+                <a:sym typeface="Calibri"/>
+              </a:defRPr>
+            </a:lvl5pPr>
+            <a:lvl6pPr marL="2743200" marR="0" lvl="5" indent="-342900" algn="l" rtl="0">
+              <a:lnSpc>
+                <a:spcPct val="90000"/>
+              </a:lnSpc>
+              <a:spcBef>
+                <a:spcPts val="500"/>
+              </a:spcBef>
+              <a:spcAft>
+                <a:spcPts val="0"/>
+              </a:spcAft>
+              <a:buClr>
+                <a:schemeClr val="dk1"/>
+              </a:buClr>
+              <a:buSzPts val="1800"/>
+              <a:buFont typeface="Arial"/>
+              <a:buChar char="•"/>
+              <a:defRPr sz="1800" b="0" i="0" u="none" strike="noStrike" cap="none">
+                <a:solidFill>
+                  <a:schemeClr val="dk1"/>
+                </a:solidFill>
+                <a:latin typeface="Calibri"/>
+                <a:ea typeface="Calibri"/>
+                <a:cs typeface="Calibri"/>
+                <a:sym typeface="Calibri"/>
+              </a:defRPr>
+            </a:lvl6pPr>
+            <a:lvl7pPr marL="3200400" marR="0" lvl="6" indent="-342900" algn="l" rtl="0">
+              <a:lnSpc>
+                <a:spcPct val="90000"/>
+              </a:lnSpc>
+              <a:spcBef>
+                <a:spcPts val="500"/>
+              </a:spcBef>
+              <a:spcAft>
+                <a:spcPts val="0"/>
+              </a:spcAft>
+              <a:buClr>
+                <a:schemeClr val="dk1"/>
+              </a:buClr>
+              <a:buSzPts val="1800"/>
+              <a:buFont typeface="Arial"/>
+              <a:buChar char="•"/>
+              <a:defRPr sz="1800" b="0" i="0" u="none" strike="noStrike" cap="none">
+                <a:solidFill>
+                  <a:schemeClr val="dk1"/>
+                </a:solidFill>
+                <a:latin typeface="Calibri"/>
+                <a:ea typeface="Calibri"/>
+                <a:cs typeface="Calibri"/>
+                <a:sym typeface="Calibri"/>
+              </a:defRPr>
+            </a:lvl7pPr>
+            <a:lvl8pPr marL="3657600" marR="0" lvl="7" indent="-342900" algn="l" rtl="0">
+              <a:lnSpc>
+                <a:spcPct val="90000"/>
+              </a:lnSpc>
+              <a:spcBef>
+                <a:spcPts val="500"/>
+              </a:spcBef>
+              <a:spcAft>
+                <a:spcPts val="0"/>
+              </a:spcAft>
+              <a:buClr>
+                <a:schemeClr val="dk1"/>
+              </a:buClr>
+              <a:buSzPts val="1800"/>
+              <a:buFont typeface="Arial"/>
+              <a:buChar char="•"/>
+              <a:defRPr sz="1800" b="0" i="0" u="none" strike="noStrike" cap="none">
+                <a:solidFill>
+                  <a:schemeClr val="dk1"/>
+                </a:solidFill>
+                <a:latin typeface="Calibri"/>
+                <a:ea typeface="Calibri"/>
+                <a:cs typeface="Calibri"/>
+                <a:sym typeface="Calibri"/>
+              </a:defRPr>
+            </a:lvl8pPr>
+            <a:lvl9pPr marL="4114800" marR="0" lvl="8" indent="-342900" algn="l" rtl="0">
+              <a:lnSpc>
+                <a:spcPct val="90000"/>
+              </a:lnSpc>
+              <a:spcBef>
+                <a:spcPts val="500"/>
+              </a:spcBef>
+              <a:spcAft>
+                <a:spcPts val="0"/>
+              </a:spcAft>
+              <a:buClr>
+                <a:schemeClr val="dk1"/>
+              </a:buClr>
+              <a:buSzPts val="1800"/>
+              <a:buFont typeface="Arial"/>
+              <a:buChar char="•"/>
+              <a:defRPr sz="1800" b="0" i="0" u="none" strike="noStrike" cap="none">
+                <a:solidFill>
+                  <a:schemeClr val="dk1"/>
+                </a:solidFill>
+                <a:latin typeface="Calibri"/>
+                <a:ea typeface="Calibri"/>
+                <a:cs typeface="Calibri"/>
+                <a:sym typeface="Calibri"/>
+              </a:defRPr>
+            </a:lvl9pPr>
+          </a:lstStyle>
+          <a:p>
+            <a:pPr marL="635000" indent="-457200" algn="just">
+              <a:spcBef>
+                <a:spcPts val="0"/>
+              </a:spcBef>
+              <a:buSzPts val="2800"/>
+            </a:pPr>
+            <a:r>
+              <a:rPr lang="es-ES" dirty="0"/>
+              <a:t>Crear cuenta y repositorio en </a:t>
+            </a:r>
+            <a:r>
+              <a:rPr lang="es-ES" dirty="0" err="1"/>
+              <a:t>Github</a:t>
+            </a:r>
+            <a:r>
+              <a:rPr lang="es-ES" dirty="0"/>
+              <a:t>.</a:t>
+            </a:r>
+          </a:p>
+          <a:p>
+            <a:pPr marL="635000" indent="-457200" algn="just">
+              <a:spcBef>
+                <a:spcPts val="0"/>
+              </a:spcBef>
+              <a:buSzPts val="2800"/>
+            </a:pPr>
+            <a:r>
+              <a:rPr lang="es-ES" dirty="0"/>
+              <a:t>Subir proyecto import_kaggle.py e </a:t>
+            </a:r>
+            <a:r>
+              <a:rPr lang="es-ES" dirty="0" err="1"/>
+              <a:t>import_bd.sql</a:t>
+            </a:r>
+            <a:r>
+              <a:rPr lang="es-ES" dirty="0"/>
+              <a:t> (trabajado en clase).</a:t>
+            </a:r>
+          </a:p>
+          <a:p>
+            <a:pPr marL="635000" indent="-457200" algn="just">
+              <a:spcBef>
+                <a:spcPts val="0"/>
+              </a:spcBef>
+              <a:buSzPts val="2800"/>
+            </a:pPr>
+            <a:r>
+              <a:rPr lang="es-ES" dirty="0"/>
+              <a:t>Conectar Jenkins con </a:t>
+            </a:r>
+            <a:r>
+              <a:rPr lang="es-ES" dirty="0" err="1"/>
+              <a:t>Github</a:t>
+            </a:r>
+            <a:r>
+              <a:rPr lang="es-ES" dirty="0"/>
+              <a:t>.</a:t>
+            </a:r>
+          </a:p>
+          <a:p>
+            <a:pPr marL="635000" indent="-457200" algn="just">
+              <a:spcBef>
+                <a:spcPts val="0"/>
+              </a:spcBef>
+              <a:buSzPts val="2800"/>
+            </a:pPr>
+            <a:endParaRPr lang="es-ES" dirty="0"/>
+          </a:p>
+          <a:p>
+            <a:pPr marL="177800" indent="0" algn="just">
+              <a:spcBef>
+                <a:spcPts val="0"/>
+              </a:spcBef>
+              <a:buSzPts val="2800"/>
+              <a:buNone/>
+            </a:pPr>
+            <a:r>
+              <a:rPr lang="es-ES" dirty="0"/>
+              <a:t>Pipeline Trabajado en Clase:</a:t>
+            </a:r>
+          </a:p>
+          <a:p>
+            <a:pPr marL="635000" indent="-457200" algn="just">
+              <a:spcBef>
+                <a:spcPts val="0"/>
+              </a:spcBef>
+              <a:buSzPts val="2800"/>
+            </a:pPr>
+            <a:r>
+              <a:rPr lang="es-ES" dirty="0"/>
+              <a:t>El archivo </a:t>
+            </a:r>
+            <a:r>
+              <a:rPr lang="es-ES" i="1" dirty="0"/>
+              <a:t>import_kaggle.py e </a:t>
+            </a:r>
+            <a:r>
+              <a:rPr lang="es-ES" i="1" dirty="0" err="1"/>
+              <a:t>import_bd.sql</a:t>
+            </a:r>
+            <a:r>
+              <a:rPr lang="es-ES" dirty="0"/>
+              <a:t> ya no se va a obtener desde nuestra máquina local, sino que ahora lo vamos a descargar desde </a:t>
+            </a:r>
+            <a:r>
+              <a:rPr lang="es-ES" dirty="0" err="1"/>
+              <a:t>Github</a:t>
+            </a:r>
+            <a:r>
+              <a:rPr lang="es-ES" dirty="0"/>
+              <a:t>.</a:t>
+            </a:r>
+          </a:p>
+          <a:p>
+            <a:pPr marL="635000" indent="-457200" algn="just">
+              <a:spcBef>
+                <a:spcPts val="0"/>
+              </a:spcBef>
+              <a:buSzPts val="2800"/>
+            </a:pPr>
+            <a:r>
+              <a:rPr lang="es-ES" dirty="0"/>
+              <a:t>Ejecuta import_kaggle.py e </a:t>
+            </a:r>
+            <a:r>
+              <a:rPr lang="es-ES" dirty="0" err="1"/>
+              <a:t>import_bd.sql</a:t>
+            </a:r>
+            <a:r>
+              <a:rPr lang="es-ES" dirty="0"/>
+              <a:t>.</a:t>
+            </a:r>
+          </a:p>
+          <a:p>
+            <a:pPr marL="1435100" lvl="2" algn="just">
+              <a:spcBef>
+                <a:spcPts val="0"/>
+              </a:spcBef>
+              <a:buSzPts val="2800"/>
+              <a:buFontTx/>
+              <a:buChar char="-"/>
+            </a:pPr>
+            <a:endParaRPr lang="es-ES" dirty="0"/>
+          </a:p>
+        </p:txBody>
+      </p:sp>
+    </p:spTree>
+    <p:extLst>
+      <p:ext uri="{BB962C8B-B14F-4D97-AF65-F5344CB8AC3E}">
+        <p14:creationId xmlns:p14="http://schemas.microsoft.com/office/powerpoint/2010/main" val="167316702"/>
+      </p:ext>
+    </p:extLst>
+  </p:cSld>
+  <p:clrMapOvr>
+    <a:masterClrMapping/>
+  </p:clrMapOvr>
+</p:sld>
+</file>
+
+<file path=ppt/slides/slide5.xml><?xml version="1.0" encoding="utf-8"?>
+<p:sld xmlns:a="http://schemas.openxmlformats.org/drawingml/2006/main" xmlns:r="http://schemas.openxmlformats.org/officeDocument/2006/relationships" xmlns:p="http://schemas.openxmlformats.org/presentationml/2006/main">
+  <p:cSld>
+    <p:spTree>
+      <p:nvGrpSpPr>
+        <p:cNvPr id="1" name=""/>
+        <p:cNvGrpSpPr/>
+        <p:nvPr/>
+      </p:nvGrpSpPr>
+      <p:grpSpPr>
+        <a:xfrm>
+          <a:off x="0" y="0"/>
+          <a:ext cx="0" cy="0"/>
+          <a:chOff x="0" y="0"/>
+          <a:chExt cx="0" cy="0"/>
+        </a:xfrm>
+      </p:grpSpPr>
+      <p:sp>
+        <p:nvSpPr>
+          <p:cNvPr id="2" name="Título 1">
+            <a:extLst>
+              <a:ext uri="{FF2B5EF4-FFF2-40B4-BE49-F238E27FC236}">
+                <a16:creationId xmlns:a16="http://schemas.microsoft.com/office/drawing/2014/main" id="{08F9EAF8-6120-D6E3-D7FE-90ED8435E5BE}"/>
+              </a:ext>
+            </a:extLst>
+          </p:cNvPr>
+          <p:cNvSpPr>
+            <a:spLocks noGrp="1"/>
+          </p:cNvSpPr>
+          <p:nvPr>
+            <p:ph type="title"/>
+          </p:nvPr>
+        </p:nvSpPr>
+        <p:spPr/>
+        <p:txBody>
+          <a:bodyPr/>
+          <a:lstStyle/>
+          <a:p>
+            <a:r>
+              <a:rPr lang="es-PE" dirty="0"/>
+              <a:t>Retos</a:t>
+            </a:r>
+          </a:p>
+        </p:txBody>
+      </p:sp>
+      <p:sp>
+        <p:nvSpPr>
+          <p:cNvPr id="3" name="Marcador de texto 2">
+            <a:extLst>
+              <a:ext uri="{FF2B5EF4-FFF2-40B4-BE49-F238E27FC236}">
+                <a16:creationId xmlns:a16="http://schemas.microsoft.com/office/drawing/2014/main" id="{1CD67D92-AEE3-6388-1B97-5CA3F0EBC0BA}"/>
+              </a:ext>
+            </a:extLst>
+          </p:cNvPr>
+          <p:cNvSpPr>
+            <a:spLocks noGrp="1"/>
+          </p:cNvSpPr>
+          <p:nvPr>
+            <p:ph type="body" idx="1"/>
+          </p:nvPr>
+        </p:nvSpPr>
+        <p:spPr>
+          <a:xfrm>
+            <a:off x="463899" y="1029771"/>
+            <a:ext cx="10515600" cy="534803"/>
+          </a:xfrm>
+        </p:spPr>
+        <p:txBody>
+          <a:bodyPr>
+            <a:normAutofit fontScale="92500" lnSpcReduction="20000"/>
+          </a:bodyPr>
+          <a:lstStyle/>
+          <a:p>
+            <a:pPr marL="114300" indent="0">
+              <a:buNone/>
+            </a:pPr>
+            <a:r>
               <a:rPr lang="es-ES" b="1" dirty="0"/>
               <a:t>Envío de notificaciones mediante mail</a:t>
             </a:r>
@@ -16655,7 +17101,7 @@
 </p:sld>
 </file>
 
-<file path=ppt/slides/slide5.xml><?xml version="1.0" encoding="utf-8"?>
+<file path=ppt/slides/slide6.xml><?xml version="1.0" encoding="utf-8"?>
 <p:sld xmlns:a="http://schemas.openxmlformats.org/drawingml/2006/main" xmlns:r="http://schemas.openxmlformats.org/officeDocument/2006/relationships" xmlns:p="http://schemas.openxmlformats.org/presentationml/2006/main">
   <p:cSld>
     <p:bg>
